--- a/output/03-data-forward.pptx
+++ b/output/03-data-forward.pptx
@@ -1240,7 +1240,7 @@
         <p:spPr>
           <a:xfrm>
             <a:off x="457200" y="1371600"/>
-            <a:ext cx="5486400" cy="914400"/>
+            <a:ext cx="8229600" cy="914400"/>
           </a:xfrm>
           <a:prstGeom prst="rect">
             <a:avLst/>
@@ -3445,7 +3445,7 @@
                 <a:ea typeface="Segoe UI" pitchFamily="34" charset="-122"/>
                 <a:cs typeface="Segoe UI" pitchFamily="34" charset="-120"/>
               </a:rPr>
-              <a:t>Planungsalgorithmus</a:t>
+              <a:t>Touren-Planung</a:t>
             </a:r>
             <a:endParaRPr lang="en-US" sz="1400" dirty="0"/>
           </a:p>
@@ -3484,7 +3484,7 @@
                 <a:ea typeface="Segoe UI" pitchFamily="34" charset="-122"/>
                 <a:cs typeface="Segoe UI" pitchFamily="34" charset="-120"/>
               </a:rPr>
-              <a:t>Intelligente Tourenoptimierung</a:t>
+              <a:t>Intelligente Routenoptimierung</a:t>
             </a:r>
             <a:endParaRPr lang="en-US" sz="1000" dirty="0"/>
           </a:p>
@@ -3814,7 +3814,7 @@
                 <a:ea typeface="Segoe UI" pitchFamily="34" charset="-122"/>
                 <a:cs typeface="Segoe UI" pitchFamily="34" charset="-120"/>
               </a:rPr>
-              <a:t>Zentrale Verwaltungsoberfläche</a:t>
+              <a:t>Zentrale Verwaltung</a:t>
             </a:r>
             <a:endParaRPr lang="en-US" sz="1000" dirty="0"/>
           </a:p>
